--- a/Movie_Industry_Analysis.pptx
+++ b/Movie_Industry_Analysis.pptx
@@ -3565,7 +3565,7 @@
         </p:spPr>
         <p:txBody>
           <a:bodyPr>
-            <a:normAutofit lnSpcReduction="10000"/>
+            <a:normAutofit/>
           </a:bodyPr>
           <a:lstStyle/>
           <a:p>
@@ -3579,7 +3579,7 @@
             </a:r>
             <a:r>
               <a:rPr lang="en-US" dirty="0"/>
-              <a:t>, because they have highest return on investment and not the most produced genres. Thus, increasing the chances to get interest of audience.</a:t>
+              <a:t>, </a:t>
             </a:r>
           </a:p>
           <a:p>
@@ -3607,7 +3607,7 @@
             </a:r>
             <a:r>
               <a:rPr lang="en-US" dirty="0"/>
-              <a:t>. Microsoft would hit highest ROI during these months. Also, it is recommended to avoid releasing in </a:t>
+              <a:t>. Also, it is recommended to avoid releasing in </a:t>
             </a:r>
             <a:r>
               <a:rPr lang="en-US" b="1" dirty="0"/>
@@ -3629,15 +3629,15 @@
           <a:p>
             <a:r>
               <a:rPr lang="en-US" dirty="0"/>
-              <a:t>When choosing the content rating, it would be suggested to choose </a:t>
+              <a:t>It is suggested to choose </a:t>
             </a:r>
             <a:r>
               <a:rPr lang="en-US" b="1" dirty="0"/>
-              <a:t>the most popular one</a:t>
+              <a:t>the most popular content rating</a:t>
             </a:r>
             <a:r>
               <a:rPr lang="en-US" dirty="0"/>
-              <a:t>, such that "R". Because it would have high chances to get interest of audience. Or choose </a:t>
+              <a:t>, such that "R” or choose </a:t>
             </a:r>
             <a:r>
               <a:rPr lang="en-US" b="1" dirty="0"/>
@@ -3645,7 +3645,7 @@
             </a:r>
             <a:r>
               <a:rPr lang="en-US" dirty="0"/>
-              <a:t> as a niche, which might be less competitive.</a:t>
+              <a:t> as a niche.</a:t>
             </a:r>
           </a:p>
           <a:p>
